--- a/01/Week 1-4_script.pptx
+++ b/01/Week 1-4_script.pptx
@@ -5,7 +5,7 @@
     <p:sldMasterId id="2147483648" r:id="rId1"/>
   </p:sldMasterIdLst>
   <p:notesMasterIdLst>
-    <p:notesMasterId r:id="rId37"/>
+    <p:notesMasterId r:id="rId34"/>
   </p:notesMasterIdLst>
   <p:sldIdLst>
     <p:sldId id="374" r:id="rId2"/>
@@ -38,11 +38,8 @@
     <p:sldId id="500" r:id="rId29"/>
     <p:sldId id="487" r:id="rId30"/>
     <p:sldId id="504" r:id="rId31"/>
-    <p:sldId id="503" r:id="rId32"/>
-    <p:sldId id="486" r:id="rId33"/>
-    <p:sldId id="491" r:id="rId34"/>
-    <p:sldId id="490" r:id="rId35"/>
-    <p:sldId id="489" r:id="rId36"/>
+    <p:sldId id="491" r:id="rId32"/>
+    <p:sldId id="490" r:id="rId33"/>
   </p:sldIdLst>
   <p:sldSz cx="9144000" cy="5143500" type="screen16x9"/>
   <p:notesSz cx="9144000" cy="6858000"/>
@@ -141,7 +138,31 @@
       </a:defRPr>
     </a:lvl9pPr>
   </p:defaultTextStyle>
+  <p:extLst>
+    <p:ext uri="{EFAFB233-063F-42B5-8137-9DF3F51BA10A}">
+      <p15:sldGuideLst xmlns:p15="http://schemas.microsoft.com/office/powerpoint/2012/main">
+        <p15:guide id="1" orient="horz" pos="1620">
+          <p15:clr>
+            <a:srgbClr val="A4A3A4"/>
+          </p15:clr>
+        </p15:guide>
+        <p15:guide id="2" pos="2880">
+          <p15:clr>
+            <a:srgbClr val="A4A3A4"/>
+          </p15:clr>
+        </p15:guide>
+      </p15:sldGuideLst>
+    </p:ext>
+  </p:extLst>
 </p:presentation>
+</file>
+
+<file path=ppt/commentAuthors.xml><?xml version="1.0" encoding="utf-8"?>
+<p:cmAuthorLst xmlns:a="http://schemas.openxmlformats.org/drawingml/2006/main" xmlns:r="http://schemas.openxmlformats.org/officeDocument/2006/relationships" xmlns:p="http://schemas.openxmlformats.org/presentationml/2006/main">
+  <p:cmAuthor id="1" name="Ryoichi Yamamoto" initials="RY" lastIdx="0" clrIdx="0">
+    <p:extLst/>
+  </p:cmAuthor>
+</p:cmAuthorLst>
 </file>
 
 <file path=ppt/notesMasters/notesMaster1.xml><?xml version="1.0" encoding="utf-8"?>
@@ -226,7 +247,7 @@
           <a:p>
             <a:fld id="{08775B08-2F3B-46AF-8C6B-8CE7990FAF83}" type="datetimeFigureOut">
               <a:rPr kumimoji="1" lang="ja-JP" altLang="en-US" smtClean="0"/>
-              <a:t>2017/2/7</a:t>
+              <a:t>2017/5/24</a:t>
             </a:fld>
             <a:endParaRPr kumimoji="1" lang="ja-JP" altLang="en-US"/>
           </a:p>
@@ -707,7 +728,7 @@
           <a:p>
             <a:fld id="{1CFBAB90-0EED-4191-80E3-B95538637E9A}" type="datetime1">
               <a:rPr kumimoji="1" lang="ja-JP" altLang="en-US" smtClean="0"/>
-              <a:t>2017/2/7</a:t>
+              <a:t>2017/5/24</a:t>
             </a:fld>
             <a:endParaRPr kumimoji="1" lang="ja-JP" altLang="en-US"/>
           </a:p>
@@ -909,7 +930,7 @@
           <a:p>
             <a:fld id="{8F1B3AC0-0F88-469C-B7E8-234014D4E448}" type="datetime1">
               <a:rPr kumimoji="1" lang="ja-JP" altLang="en-US" smtClean="0"/>
-              <a:t>2017/2/7</a:t>
+              <a:t>2017/5/24</a:t>
             </a:fld>
             <a:endParaRPr kumimoji="1" lang="ja-JP" altLang="en-US"/>
           </a:p>
@@ -1121,7 +1142,7 @@
           <a:p>
             <a:fld id="{3230FD36-7324-429A-8DEE-8D0BCCDF9993}" type="datetime1">
               <a:rPr kumimoji="1" lang="ja-JP" altLang="en-US" smtClean="0"/>
-              <a:t>2017/2/7</a:t>
+              <a:t>2017/5/24</a:t>
             </a:fld>
             <a:endParaRPr kumimoji="1" lang="ja-JP" altLang="en-US"/>
           </a:p>
@@ -1576,7 +1597,7 @@
           <a:p>
             <a:fld id="{4CB088CB-9D3E-472B-8C83-C33DAFA14439}" type="datetime1">
               <a:rPr kumimoji="1" lang="ja-JP" altLang="en-US" smtClean="0"/>
-              <a:t>2017/2/7</a:t>
+              <a:t>2017/5/24</a:t>
             </a:fld>
             <a:endParaRPr kumimoji="1" lang="ja-JP" altLang="en-US"/>
           </a:p>
@@ -1928,7 +1949,7 @@
           <a:p>
             <a:fld id="{D7311870-C5D4-4974-B7FA-4F907EB392B1}" type="datetime1">
               <a:rPr kumimoji="1" lang="ja-JP" altLang="en-US" smtClean="0"/>
-              <a:t>2017/2/7</a:t>
+              <a:t>2017/5/24</a:t>
             </a:fld>
             <a:endParaRPr kumimoji="1" lang="ja-JP" altLang="en-US"/>
           </a:p>
@@ -2414,7 +2435,7 @@
           <a:p>
             <a:fld id="{01C33D39-F6BE-42B4-BCD0-3264BF2B5E1A}" type="datetime1">
               <a:rPr kumimoji="1" lang="ja-JP" altLang="en-US" smtClean="0"/>
-              <a:t>2017/2/7</a:t>
+              <a:t>2017/5/24</a:t>
             </a:fld>
             <a:endParaRPr kumimoji="1" lang="ja-JP" altLang="en-US"/>
           </a:p>
@@ -2532,7 +2553,7 @@
           <a:p>
             <a:fld id="{B66A35D8-323F-4F67-93E8-10DAE3584813}" type="datetime1">
               <a:rPr kumimoji="1" lang="ja-JP" altLang="en-US" smtClean="0"/>
-              <a:t>2017/2/7</a:t>
+              <a:t>2017/5/24</a:t>
             </a:fld>
             <a:endParaRPr kumimoji="1" lang="ja-JP" altLang="en-US"/>
           </a:p>
@@ -2627,7 +2648,7 @@
           <a:p>
             <a:fld id="{365E7FCB-10B6-406A-88A9-CFD485344614}" type="datetime1">
               <a:rPr kumimoji="1" lang="ja-JP" altLang="en-US" smtClean="0"/>
-              <a:t>2017/2/7</a:t>
+              <a:t>2017/5/24</a:t>
             </a:fld>
             <a:endParaRPr kumimoji="1" lang="ja-JP" altLang="en-US"/>
           </a:p>
@@ -2936,7 +2957,7 @@
           <a:p>
             <a:fld id="{4472583D-6700-47A4-92D6-3CCE3A3E4ECF}" type="datetime1">
               <a:rPr kumimoji="1" lang="ja-JP" altLang="en-US" smtClean="0"/>
-              <a:t>2017/2/7</a:t>
+              <a:t>2017/5/24</a:t>
             </a:fld>
             <a:endParaRPr kumimoji="1" lang="ja-JP" altLang="en-US"/>
           </a:p>
@@ -3189,7 +3210,7 @@
           <a:p>
             <a:fld id="{9F8C1C7B-9E4E-4059-96D1-83234B750861}" type="datetime1">
               <a:rPr kumimoji="1" lang="ja-JP" altLang="en-US" smtClean="0"/>
-              <a:t>2017/2/7</a:t>
+              <a:t>2017/5/24</a:t>
             </a:fld>
             <a:endParaRPr kumimoji="1" lang="ja-JP" altLang="en-US"/>
           </a:p>
@@ -3434,7 +3455,7 @@
           <a:p>
             <a:fld id="{A196305B-18EE-4954-A6AA-DE0C1A58DB8D}" type="datetime1">
               <a:rPr kumimoji="1" lang="ja-JP" altLang="en-US" smtClean="0"/>
-              <a:t>2017/2/7</a:t>
+              <a:t>2017/5/24</a:t>
             </a:fld>
             <a:endParaRPr kumimoji="1" lang="ja-JP" altLang="en-US"/>
           </a:p>
@@ -6175,7 +6196,7 @@
         </p:nvSpPr>
         <p:spPr>
           <a:xfrm>
-            <a:off x="1475656" y="697104"/>
+            <a:off x="1475656" y="423473"/>
             <a:ext cx="6552728" cy="4092493"/>
           </a:xfrm>
         </p:spPr>
@@ -6193,13 +6214,18 @@
           <a:p>
             <a:r>
               <a:rPr lang="en-US" altLang="ja-JP" sz="4000" dirty="0" smtClean="0"/>
-              <a:t>The System parameters and the initial conditions are defined at </a:t>
-            </a:r>
-            <a:r>
-              <a:rPr lang="en-US" altLang="ja-JP" sz="4000" smtClean="0"/>
-              <a:t>the beginning.</a:t>
-            </a:r>
-            <a:endParaRPr lang="en-US" altLang="ja-JP" sz="4000" dirty="0" smtClean="0"/>
+              <a:t>The System parameters and the initial conditions are defined at the beginning.</a:t>
+            </a:r>
+          </a:p>
+          <a:p>
+            <a:r>
+              <a:rPr lang="en-US" altLang="ja-JP" sz="4000" dirty="0" smtClean="0">
+                <a:solidFill>
+                  <a:srgbClr val="FF0000"/>
+                </a:solidFill>
+              </a:rPr>
+              <a:t>Here we set m=k=1, and the friction constant \zeta=0.25</a:t>
+            </a:r>
           </a:p>
           <a:p>
             <a:endParaRPr lang="en-US" altLang="ja-JP" sz="4000" dirty="0"/>
@@ -6346,6 +6372,10 @@
               <a:rPr lang="en-US" altLang="ja-JP" sz="4000" dirty="0" smtClean="0"/>
               <a:t>” procedure is called at the bottom. </a:t>
             </a:r>
+            <a:r>
+              <a:rPr lang="ja-JP" altLang="en-US" sz="4000" smtClean="0"/>
+              <a:t>実行</a:t>
+            </a:r>
             <a:endParaRPr lang="en-US" altLang="ja-JP" sz="4000" dirty="0"/>
           </a:p>
         </p:txBody>
@@ -6747,8 +6777,21 @@
           <a:p>
             <a:r>
               <a:rPr lang="en-US" altLang="ja-JP" sz="4000" dirty="0"/>
-              <a:t>Notice that the particle traces what appears to be a closed orbit.</a:t>
-            </a:r>
+              <a:t>Notice that the particle traces what appears to be a </a:t>
+            </a:r>
+            <a:r>
+              <a:rPr lang="en-US" altLang="ja-JP" sz="4000" dirty="0" smtClean="0">
+                <a:solidFill>
+                  <a:srgbClr val="FF0000"/>
+                </a:solidFill>
+              </a:rPr>
+              <a:t>shrinking</a:t>
+            </a:r>
+            <a:r>
+              <a:rPr lang="en-US" altLang="ja-JP" sz="4000" dirty="0" smtClean="0"/>
+              <a:t> orbit.</a:t>
+            </a:r>
+            <a:endParaRPr lang="en-US" altLang="ja-JP" sz="4000" dirty="0"/>
           </a:p>
         </p:txBody>
       </p:sp>
@@ -7088,8 +7131,8 @@
         </p:nvSpPr>
         <p:spPr>
           <a:xfrm>
-            <a:off x="1259632" y="697104"/>
-            <a:ext cx="6768752" cy="4092493"/>
+            <a:off x="755576" y="495481"/>
+            <a:ext cx="7776864" cy="4092493"/>
           </a:xfrm>
         </p:spPr>
         <p:txBody>
@@ -7100,8 +7143,25 @@
           <a:p>
             <a:r>
               <a:rPr lang="en-US" altLang="ja-JP" sz="4000" dirty="0"/>
-              <a:t>As expected, the x and y coordinates show oscillatory motion.</a:t>
-            </a:r>
+              <a:t>As expected, the x and y coordinates show </a:t>
+            </a:r>
+            <a:r>
+              <a:rPr lang="en-US" altLang="ja-JP" sz="4000" dirty="0" smtClean="0"/>
+              <a:t>oscillatory motion</a:t>
+            </a:r>
+            <a:r>
+              <a:rPr lang="en-US" altLang="ja-JP" sz="4000" dirty="0" smtClean="0">
+                <a:solidFill>
+                  <a:srgbClr val="FF0000"/>
+                </a:solidFill>
+              </a:rPr>
+              <a:t> with decreasing amplitude</a:t>
+            </a:r>
+            <a:r>
+              <a:rPr lang="en-US" altLang="ja-JP" sz="4000" dirty="0" smtClean="0"/>
+              <a:t>.</a:t>
+            </a:r>
+            <a:endParaRPr lang="en-US" altLang="ja-JP" sz="4000" dirty="0"/>
           </a:p>
           <a:p>
             <a:r>
@@ -7110,8 +7170,21 @@
             </a:r>
             <a:r>
               <a:rPr lang="en-US" altLang="ja-JP" sz="4000" dirty="0"/>
-              <a:t>is probably more surprising, are the oscillations in the total energy.</a:t>
-            </a:r>
+              <a:t>is probably more </a:t>
+            </a:r>
+            <a:r>
+              <a:rPr lang="en-US" altLang="ja-JP" sz="4000" dirty="0" smtClean="0">
+                <a:solidFill>
+                  <a:srgbClr val="FF0000"/>
+                </a:solidFill>
+              </a:rPr>
+              <a:t>informative will be the time evaluation of the total energy E_T(t).</a:t>
+            </a:r>
+            <a:endParaRPr lang="en-US" altLang="ja-JP" sz="4000" dirty="0">
+              <a:solidFill>
+                <a:srgbClr val="FF0000"/>
+              </a:solidFill>
+            </a:endParaRPr>
           </a:p>
         </p:txBody>
       </p:sp>
@@ -7239,8 +7312,61 @@
           <a:p>
             <a:r>
               <a:rPr lang="en-US" altLang="ja-JP" sz="4000" dirty="0"/>
-              <a:t>In this case, we have turned off friction, so ideally the energy of our system should be conserved.</a:t>
-            </a:r>
+              <a:t>In this case, </a:t>
+            </a:r>
+            <a:r>
+              <a:rPr lang="en-US" altLang="ja-JP" sz="4000" dirty="0">
+                <a:solidFill>
+                  <a:srgbClr val="FF0000"/>
+                </a:solidFill>
+              </a:rPr>
+              <a:t>we have </a:t>
+            </a:r>
+            <a:r>
+              <a:rPr lang="en-US" altLang="ja-JP" sz="4000" dirty="0" smtClean="0">
+                <a:solidFill>
+                  <a:srgbClr val="FF0000"/>
+                </a:solidFill>
+              </a:rPr>
+              <a:t>set the friction constant \zeta=0.25, </a:t>
+            </a:r>
+            <a:r>
+              <a:rPr lang="en-US" altLang="ja-JP" sz="4000" dirty="0">
+                <a:solidFill>
+                  <a:srgbClr val="FF0000"/>
+                </a:solidFill>
+              </a:rPr>
+              <a:t>so </a:t>
+            </a:r>
+            <a:r>
+              <a:rPr lang="en-US" altLang="ja-JP" sz="4000" dirty="0" smtClean="0">
+                <a:solidFill>
+                  <a:srgbClr val="FF0000"/>
+                </a:solidFill>
+              </a:rPr>
+              <a:t>the </a:t>
+            </a:r>
+            <a:r>
+              <a:rPr lang="en-US" altLang="ja-JP" sz="4000" dirty="0">
+                <a:solidFill>
+                  <a:srgbClr val="FF0000"/>
+                </a:solidFill>
+              </a:rPr>
+              <a:t>energy </a:t>
+            </a:r>
+            <a:r>
+              <a:rPr lang="en-US" altLang="ja-JP" sz="4000" dirty="0" smtClean="0">
+                <a:solidFill>
+                  <a:srgbClr val="FF0000"/>
+                </a:solidFill>
+              </a:rPr>
+              <a:t>dissipation should occur to our system.</a:t>
+            </a:r>
+            <a:endParaRPr lang="en-US" altLang="ja-JP" sz="4000" dirty="0">
+              <a:solidFill>
+                <a:srgbClr val="FF0000"/>
+              </a:solidFill>
+            </a:endParaRPr>
           </a:p>
         </p:txBody>
       </p:sp>
@@ -7371,8 +7497,36 @@
               <a:t>The </a:t>
             </a:r>
             <a:r>
+              <a:rPr lang="en-US" altLang="ja-JP" sz="4000" dirty="0" smtClean="0">
+                <a:solidFill>
+                  <a:srgbClr val="FF0000"/>
+                </a:solidFill>
+              </a:rPr>
+              <a:t>small oscillations appeared in </a:t>
+            </a:r>
+            <a:r>
+              <a:rPr lang="en-US" altLang="ja-JP" sz="4000" dirty="0">
+                <a:solidFill>
+                  <a:srgbClr val="FF0000"/>
+                </a:solidFill>
+              </a:rPr>
+              <a:t>the </a:t>
+            </a:r>
+            <a:r>
+              <a:rPr lang="en-US" altLang="ja-JP" sz="4000" dirty="0" smtClean="0">
+                <a:solidFill>
+                  <a:srgbClr val="FF0000"/>
+                </a:solidFill>
+              </a:rPr>
+              <a:t>decaying energy curve</a:t>
+            </a:r>
+            <a:r>
+              <a:rPr lang="en-US" altLang="ja-JP" sz="4000" dirty="0" smtClean="0"/>
+              <a:t> are </a:t>
+            </a:r>
+            <a:r>
               <a:rPr lang="en-US" altLang="ja-JP" sz="4000" dirty="0"/>
-              <a:t>oscillations in the energy are an artifact of the approximate solution scheme we have used.</a:t>
+              <a:t>an artifact of the approximate solution scheme we have used.</a:t>
             </a:r>
           </a:p>
         </p:txBody>
@@ -7630,7 +7784,15 @@
           <a:p>
             <a:r>
               <a:rPr lang="en-US" altLang="ja-JP" sz="4000" dirty="0"/>
-              <a:t>To reduce these fluctuations, we can use a smaller </a:t>
+              <a:t>To reduce </a:t>
+            </a:r>
+            <a:r>
+              <a:rPr lang="en-US" altLang="ja-JP" sz="4000" dirty="0" smtClean="0"/>
+              <a:t>the numerical errors, </a:t>
+            </a:r>
+            <a:r>
+              <a:rPr lang="en-US" altLang="ja-JP" sz="4000" dirty="0"/>
+              <a:t>we can use a smaller </a:t>
             </a:r>
             <a:r>
               <a:rPr lang="en-US" altLang="ja-JP" sz="4000" dirty="0" smtClean="0"/>
@@ -7764,7 +7926,7 @@
         <p:spPr>
           <a:xfrm>
             <a:off x="1259632" y="697104"/>
-            <a:ext cx="6768752" cy="4092493"/>
+            <a:ext cx="7344816" cy="4092493"/>
           </a:xfrm>
         </p:spPr>
         <p:txBody>
@@ -7774,9 +7936,74 @@
           <a:lstStyle/>
           <a:p>
             <a:r>
-              <a:rPr lang="en-US" altLang="ja-JP" sz="4000" dirty="0"/>
-              <a:t>However, even though the energy is not strictly conserved, notice that there is no notable systematic drift. </a:t>
-            </a:r>
+              <a:rPr lang="en-US" altLang="ja-JP" sz="4000" dirty="0" smtClean="0">
+                <a:solidFill>
+                  <a:srgbClr val="FF0000"/>
+                </a:solidFill>
+              </a:rPr>
+              <a:t>Indeed, such higher order integrators are </a:t>
+            </a:r>
+            <a:r>
+              <a:rPr lang="en-US" altLang="ja-JP" sz="4000" dirty="0" smtClean="0">
+                <a:solidFill>
+                  <a:srgbClr val="FF0000"/>
+                </a:solidFill>
+              </a:rPr>
+              <a:t>necessary </a:t>
+            </a:r>
+            <a:r>
+              <a:rPr lang="en-US" altLang="ja-JP" sz="4000" dirty="0">
+                <a:solidFill>
+                  <a:srgbClr val="FF0000"/>
+                </a:solidFill>
+              </a:rPr>
+              <a:t>to </a:t>
+            </a:r>
+            <a:r>
+              <a:rPr lang="en-US" altLang="ja-JP" sz="4000" dirty="0" smtClean="0">
+                <a:solidFill>
+                  <a:srgbClr val="FF0000"/>
+                </a:solidFill>
+              </a:rPr>
+              <a:t>simulate this </a:t>
+            </a:r>
+            <a:r>
+              <a:rPr lang="en-US" altLang="ja-JP" sz="4000" dirty="0">
+                <a:solidFill>
+                  <a:srgbClr val="FF0000"/>
+                </a:solidFill>
+              </a:rPr>
+              <a:t>harmonic </a:t>
+            </a:r>
+            <a:r>
+              <a:rPr lang="en-US" altLang="ja-JP" sz="4000" dirty="0" smtClean="0">
+                <a:solidFill>
+                  <a:srgbClr val="FF0000"/>
+                </a:solidFill>
+              </a:rPr>
+              <a:t>oscillator </a:t>
+            </a:r>
+            <a:r>
+              <a:rPr lang="en-US" altLang="ja-JP" sz="4000" dirty="0">
+                <a:solidFill>
+                  <a:srgbClr val="FF0000"/>
+                </a:solidFill>
+              </a:rPr>
+              <a:t>in the absence of </a:t>
+            </a:r>
+            <a:r>
+              <a:rPr lang="en-US" altLang="ja-JP" sz="4000" dirty="0" smtClean="0">
+                <a:solidFill>
+                  <a:srgbClr val="FF0000"/>
+                </a:solidFill>
+              </a:rPr>
+              <a:t>friction, for which the total energy should be strictly conserved.</a:t>
+            </a:r>
+            <a:endParaRPr lang="en-US" altLang="ja-JP" sz="4000" dirty="0">
+              <a:solidFill>
+                <a:srgbClr val="FF0000"/>
+              </a:solidFill>
+            </a:endParaRPr>
           </a:p>
         </p:txBody>
       </p:sp>
@@ -7843,10 +8070,82 @@
           </a:p>
         </p:txBody>
       </p:sp>
+      <p:sp>
+        <p:nvSpPr>
+          <p:cNvPr id="5" name="右矢印 4"/>
+          <p:cNvSpPr/>
+          <p:nvPr/>
+        </p:nvSpPr>
+        <p:spPr>
+          <a:xfrm>
+            <a:off x="6660232" y="4314344"/>
+            <a:ext cx="1656184" cy="777686"/>
+          </a:xfrm>
+          <a:prstGeom prst="rightArrow">
+            <a:avLst/>
+          </a:prstGeom>
+          <a:solidFill>
+            <a:srgbClr val="92D050"/>
+          </a:solidFill>
+          <a:ln>
+            <a:noFill/>
+          </a:ln>
+        </p:spPr>
+        <p:style>
+          <a:lnRef idx="1">
+            <a:schemeClr val="accent1"/>
+          </a:lnRef>
+          <a:fillRef idx="3">
+            <a:schemeClr val="accent1"/>
+          </a:fillRef>
+          <a:effectRef idx="2">
+            <a:schemeClr val="accent1"/>
+          </a:effectRef>
+          <a:fontRef idx="minor">
+            <a:schemeClr val="lt1"/>
+          </a:fontRef>
+        </p:style>
+        <p:txBody>
+          <a:bodyPr rtlCol="0" anchor="ctr"/>
+          <a:lstStyle/>
+          <a:p>
+            <a:pPr algn="ctr"/>
+            <a:r>
+              <a:rPr kumimoji="1" lang="ja-JP" altLang="en-US" sz="1400" dirty="0" smtClean="0">
+                <a:solidFill>
+                  <a:srgbClr val="000000"/>
+                </a:solidFill>
+              </a:rPr>
+              <a:t>次の</a:t>
+            </a:r>
+            <a:r>
+              <a:rPr kumimoji="1" lang="en-US" altLang="ja-JP" sz="1400" dirty="0" smtClean="0">
+                <a:solidFill>
+                  <a:srgbClr val="000000"/>
+                </a:solidFill>
+              </a:rPr>
+              <a:t>Note </a:t>
+            </a:r>
+            <a:r>
+              <a:rPr kumimoji="1" lang="ja-JP" altLang="en-US" sz="1400" dirty="0" smtClean="0">
+                <a:solidFill>
+                  <a:srgbClr val="000000"/>
+                </a:solidFill>
+              </a:rPr>
+              <a:t>へ</a:t>
+            </a:r>
+            <a:endParaRPr kumimoji="1" lang="ja-JP" altLang="en-US" sz="1400" dirty="0">
+              <a:solidFill>
+                <a:srgbClr val="000000"/>
+              </a:solidFill>
+            </a:endParaRPr>
+          </a:p>
+        </p:txBody>
+      </p:sp>
     </p:spTree>
     <p:extLst>
       <p:ext uri="{BB962C8B-B14F-4D97-AF65-F5344CB8AC3E}">
-        <p14:creationId xmlns:p14="http://schemas.microsoft.com/office/powerpoint/2010/main" val="344286796"/>
+        <p14:creationId xmlns:p14="http://schemas.microsoft.com/office/powerpoint/2010/main" val="2594147259"/>
       </p:ext>
     </p:extLst>
   </p:cSld>
@@ -7892,8 +8191,8 @@
         </p:nvSpPr>
         <p:spPr>
           <a:xfrm>
-            <a:off x="1259632" y="711505"/>
-            <a:ext cx="6768752" cy="4092493"/>
+            <a:off x="395536" y="411510"/>
+            <a:ext cx="8640960" cy="4092493"/>
           </a:xfrm>
         </p:spPr>
         <p:txBody>
@@ -7903,19 +8202,81 @@
           <a:lstStyle/>
           <a:p>
             <a:r>
-              <a:rPr lang="en-US" altLang="ja-JP" sz="4000" dirty="0"/>
-              <a:t>The energy oscillates around a fixed value.</a:t>
-            </a:r>
-          </a:p>
-          <a:p>
-            <a:r>
-              <a:rPr lang="en-US" altLang="ja-JP" sz="4000" dirty="0" smtClean="0"/>
-              <a:t>For </a:t>
-            </a:r>
-            <a:r>
-              <a:rPr lang="en-US" altLang="ja-JP" sz="4000" dirty="0"/>
-              <a:t>physical simulations, this is a crucial aspect of a good integrator.</a:t>
-            </a:r>
+              <a:rPr lang="en-US" altLang="ja-JP" sz="4000" dirty="0" smtClean="0">
+                <a:solidFill>
+                  <a:srgbClr val="FF0000"/>
+                </a:solidFill>
+              </a:rPr>
+              <a:t>We do not need to repeat the same simulation to perform further data analyses</a:t>
+            </a:r>
+            <a:r>
+              <a:rPr lang="en-US" altLang="ja-JP" sz="4000" dirty="0" smtClean="0">
+                <a:solidFill>
+                  <a:srgbClr val="FF0000"/>
+                </a:solidFill>
+              </a:rPr>
+              <a:t>.</a:t>
+            </a:r>
+            <a:r>
+              <a:rPr lang="ja-JP" altLang="en-US" sz="4000" dirty="0" smtClean="0">
+                <a:solidFill>
+                  <a:srgbClr val="FF0000"/>
+                </a:solidFill>
+              </a:rPr>
+              <a:t>実行</a:t>
+            </a:r>
+            <a:endParaRPr lang="en-US" altLang="ja-JP" sz="4000" dirty="0" smtClean="0">
+              <a:solidFill>
+                <a:srgbClr val="FF0000"/>
+              </a:solidFill>
+            </a:endParaRPr>
+          </a:p>
+          <a:p>
+            <a:r>
+              <a:rPr lang="en-US" altLang="ja-JP" sz="4000" dirty="0" smtClean="0">
+                <a:solidFill>
+                  <a:srgbClr val="FF0000"/>
+                </a:solidFill>
+              </a:rPr>
+              <a:t>For example, one can make </a:t>
+            </a:r>
+            <a:r>
+              <a:rPr lang="en-US" altLang="ja-JP" sz="4000" dirty="0">
+                <a:solidFill>
+                  <a:srgbClr val="FF0000"/>
+                </a:solidFill>
+              </a:rPr>
+              <a:t>a parametric plot of the x, y positions of the </a:t>
+            </a:r>
+            <a:r>
+              <a:rPr lang="en-US" altLang="ja-JP" sz="4000" dirty="0" smtClean="0">
+                <a:solidFill>
+                  <a:srgbClr val="FF0000"/>
+                </a:solidFill>
+              </a:rPr>
+              <a:t>particle using the simulation data stored in the array </a:t>
+            </a:r>
+            <a:r>
+              <a:rPr lang="en-US" altLang="ja-JP" sz="4000" dirty="0" err="1" smtClean="0">
+                <a:solidFill>
+                  <a:srgbClr val="FF0000"/>
+                </a:solidFill>
+              </a:rPr>
+              <a:t>Rs</a:t>
+            </a:r>
+            <a:r>
+              <a:rPr lang="en-US" altLang="ja-JP" sz="4000" dirty="0" smtClean="0">
+                <a:solidFill>
+                  <a:srgbClr val="FF0000"/>
+                </a:solidFill>
+              </a:rPr>
+              <a:t>.</a:t>
+            </a:r>
+            <a:endParaRPr lang="en-US" altLang="ja-JP" sz="4000" dirty="0">
+              <a:solidFill>
+                <a:srgbClr val="FF0000"/>
+              </a:solidFill>
+            </a:endParaRPr>
           </a:p>
         </p:txBody>
       </p:sp>
@@ -7938,469 +8299,6 @@
               <a:rPr lang="ja-JP" altLang="en-US" smtClean="0"/>
               <a:pPr/>
               <a:t>32</a:t>
-            </a:fld>
-            <a:endParaRPr lang="ja-JP" altLang="en-US"/>
-          </a:p>
-        </p:txBody>
-      </p:sp>
-      <p:sp>
-        <p:nvSpPr>
-          <p:cNvPr id="4" name="テキスト ボックス 3"/>
-          <p:cNvSpPr txBox="1"/>
-          <p:nvPr/>
-        </p:nvSpPr>
-        <p:spPr>
-          <a:xfrm>
-            <a:off x="7452320" y="173884"/>
-            <a:ext cx="1584176" cy="523220"/>
-          </a:xfrm>
-          <a:prstGeom prst="rect">
-            <a:avLst/>
-          </a:prstGeom>
-          <a:noFill/>
-          <a:ln>
-            <a:solidFill>
-              <a:schemeClr val="accent1">
-                <a:lumMod val="20000"/>
-                <a:lumOff val="80000"/>
-              </a:schemeClr>
-            </a:solidFill>
-          </a:ln>
-        </p:spPr>
-        <p:txBody>
-          <a:bodyPr wrap="square" rtlCol="0">
-            <a:spAutoFit/>
-          </a:bodyPr>
-          <a:lstStyle/>
-          <a:p>
-            <a:pPr algn="r"/>
-            <a:r>
-              <a:rPr kumimoji="1" lang="en-US" altLang="ja-JP" sz="2800" dirty="0" smtClean="0"/>
-              <a:t>Note 8</a:t>
-            </a:r>
-            <a:endParaRPr kumimoji="1" lang="ja-JP" altLang="en-US" sz="2800" dirty="0"/>
-          </a:p>
-        </p:txBody>
-      </p:sp>
-    </p:spTree>
-    <p:extLst>
-      <p:ext uri="{BB962C8B-B14F-4D97-AF65-F5344CB8AC3E}">
-        <p14:creationId xmlns:p14="http://schemas.microsoft.com/office/powerpoint/2010/main" val="1780215322"/>
-      </p:ext>
-    </p:extLst>
-  </p:cSld>
-  <p:clrMapOvr>
-    <a:masterClrMapping/>
-  </p:clrMapOvr>
-  <p:timing>
-    <p:tnLst>
-      <p:par>
-        <p:cTn id="1" dur="indefinite" restart="never" nodeType="tmRoot"/>
-      </p:par>
-    </p:tnLst>
-  </p:timing>
-</p:sld>
-</file>
-
-<file path=ppt/slides/slide33.xml><?xml version="1.0" encoding="utf-8"?>
-<p:sld xmlns:a="http://schemas.openxmlformats.org/drawingml/2006/main" xmlns:r="http://schemas.openxmlformats.org/officeDocument/2006/relationships" xmlns:p="http://schemas.openxmlformats.org/presentationml/2006/main">
-  <p:cSld>
-    <p:spTree>
-      <p:nvGrpSpPr>
-        <p:cNvPr id="1" name=""/>
-        <p:cNvGrpSpPr/>
-        <p:nvPr/>
-      </p:nvGrpSpPr>
-      <p:grpSpPr>
-        <a:xfrm>
-          <a:off x="0" y="0"/>
-          <a:ext cx="0" cy="0"/>
-          <a:chOff x="0" y="0"/>
-          <a:chExt cx="0" cy="0"/>
-        </a:xfrm>
-      </p:grpSpPr>
-      <p:sp>
-        <p:nvSpPr>
-          <p:cNvPr id="3" name="コンテンツ プレースホルダー 2"/>
-          <p:cNvSpPr>
-            <a:spLocks noGrp="1"/>
-          </p:cNvSpPr>
-          <p:nvPr>
-            <p:ph idx="1"/>
-          </p:nvPr>
-        </p:nvSpPr>
-        <p:spPr>
-          <a:xfrm>
-            <a:off x="1259632" y="697104"/>
-            <a:ext cx="6768752" cy="4092493"/>
-          </a:xfrm>
-        </p:spPr>
-        <p:txBody>
-          <a:bodyPr>
-            <a:noAutofit/>
-          </a:bodyPr>
-          <a:lstStyle/>
-          <a:p>
-            <a:r>
-              <a:rPr lang="en-US" altLang="ja-JP" sz="4000" dirty="0"/>
-              <a:t>Ideally, the solutions to this harmonic problem in the absence of friction are closed orbits.</a:t>
-            </a:r>
-          </a:p>
-        </p:txBody>
-      </p:sp>
-      <p:sp>
-        <p:nvSpPr>
-          <p:cNvPr id="2" name="スライド番号プレースホルダー 1"/>
-          <p:cNvSpPr>
-            <a:spLocks noGrp="1"/>
-          </p:cNvSpPr>
-          <p:nvPr>
-            <p:ph type="sldNum" sz="quarter" idx="12"/>
-          </p:nvPr>
-        </p:nvSpPr>
-        <p:spPr/>
-        <p:txBody>
-          <a:bodyPr/>
-          <a:lstStyle/>
-          <a:p>
-            <a:fld id="{903B30B5-CBF4-4B2F-B75D-B112E832388C}" type="slidenum">
-              <a:rPr lang="ja-JP" altLang="en-US" smtClean="0"/>
-              <a:pPr/>
-              <a:t>33</a:t>
-            </a:fld>
-            <a:endParaRPr lang="ja-JP" altLang="en-US"/>
-          </a:p>
-        </p:txBody>
-      </p:sp>
-      <p:sp>
-        <p:nvSpPr>
-          <p:cNvPr id="4" name="テキスト ボックス 3"/>
-          <p:cNvSpPr txBox="1"/>
-          <p:nvPr/>
-        </p:nvSpPr>
-        <p:spPr>
-          <a:xfrm>
-            <a:off x="7452320" y="173884"/>
-            <a:ext cx="1584176" cy="523220"/>
-          </a:xfrm>
-          <a:prstGeom prst="rect">
-            <a:avLst/>
-          </a:prstGeom>
-          <a:noFill/>
-          <a:ln>
-            <a:solidFill>
-              <a:schemeClr val="accent1">
-                <a:lumMod val="20000"/>
-                <a:lumOff val="80000"/>
-              </a:schemeClr>
-            </a:solidFill>
-          </a:ln>
-        </p:spPr>
-        <p:txBody>
-          <a:bodyPr wrap="square" rtlCol="0">
-            <a:spAutoFit/>
-          </a:bodyPr>
-          <a:lstStyle/>
-          <a:p>
-            <a:pPr algn="r"/>
-            <a:r>
-              <a:rPr kumimoji="1" lang="en-US" altLang="ja-JP" sz="2800" dirty="0" smtClean="0"/>
-              <a:t>Note </a:t>
-            </a:r>
-            <a:r>
-              <a:rPr kumimoji="1" lang="en-US" altLang="ja-JP" sz="2800" dirty="0" smtClean="0"/>
-              <a:t>8</a:t>
-            </a:r>
-            <a:endParaRPr kumimoji="1" lang="ja-JP" altLang="en-US" sz="2800" dirty="0"/>
-          </a:p>
-        </p:txBody>
-      </p:sp>
-      <p:sp>
-        <p:nvSpPr>
-          <p:cNvPr id="5" name="右矢印 4"/>
-          <p:cNvSpPr/>
-          <p:nvPr/>
-        </p:nvSpPr>
-        <p:spPr>
-          <a:xfrm>
-            <a:off x="6660232" y="4314344"/>
-            <a:ext cx="1656184" cy="777686"/>
-          </a:xfrm>
-          <a:prstGeom prst="rightArrow">
-            <a:avLst/>
-          </a:prstGeom>
-          <a:solidFill>
-            <a:srgbClr val="92D050"/>
-          </a:solidFill>
-          <a:ln>
-            <a:noFill/>
-          </a:ln>
-        </p:spPr>
-        <p:style>
-          <a:lnRef idx="1">
-            <a:schemeClr val="accent1"/>
-          </a:lnRef>
-          <a:fillRef idx="3">
-            <a:schemeClr val="accent1"/>
-          </a:fillRef>
-          <a:effectRef idx="2">
-            <a:schemeClr val="accent1"/>
-          </a:effectRef>
-          <a:fontRef idx="minor">
-            <a:schemeClr val="lt1"/>
-          </a:fontRef>
-        </p:style>
-        <p:txBody>
-          <a:bodyPr rtlCol="0" anchor="ctr"/>
-          <a:lstStyle/>
-          <a:p>
-            <a:pPr algn="ctr"/>
-            <a:r>
-              <a:rPr kumimoji="1" lang="ja-JP" altLang="en-US" sz="1400" dirty="0" smtClean="0">
-                <a:solidFill>
-                  <a:srgbClr val="000000"/>
-                </a:solidFill>
-              </a:rPr>
-              <a:t>次の</a:t>
-            </a:r>
-            <a:r>
-              <a:rPr kumimoji="1" lang="en-US" altLang="ja-JP" sz="1400" dirty="0" smtClean="0">
-                <a:solidFill>
-                  <a:srgbClr val="000000"/>
-                </a:solidFill>
-              </a:rPr>
-              <a:t>Note </a:t>
-            </a:r>
-            <a:r>
-              <a:rPr kumimoji="1" lang="ja-JP" altLang="en-US" sz="1400" dirty="0" smtClean="0">
-                <a:solidFill>
-                  <a:srgbClr val="000000"/>
-                </a:solidFill>
-              </a:rPr>
-              <a:t>へ</a:t>
-            </a:r>
-            <a:endParaRPr kumimoji="1" lang="ja-JP" altLang="en-US" sz="1400" dirty="0">
-              <a:solidFill>
-                <a:srgbClr val="000000"/>
-              </a:solidFill>
-            </a:endParaRPr>
-          </a:p>
-        </p:txBody>
-      </p:sp>
-    </p:spTree>
-    <p:extLst>
-      <p:ext uri="{BB962C8B-B14F-4D97-AF65-F5344CB8AC3E}">
-        <p14:creationId xmlns:p14="http://schemas.microsoft.com/office/powerpoint/2010/main" val="2594147259"/>
-      </p:ext>
-    </p:extLst>
-  </p:cSld>
-  <p:clrMapOvr>
-    <a:masterClrMapping/>
-  </p:clrMapOvr>
-  <p:timing>
-    <p:tnLst>
-      <p:par>
-        <p:cTn id="1" dur="indefinite" restart="never" nodeType="tmRoot"/>
-      </p:par>
-    </p:tnLst>
-  </p:timing>
-</p:sld>
-</file>
-
-<file path=ppt/slides/slide34.xml><?xml version="1.0" encoding="utf-8"?>
-<p:sld xmlns:a="http://schemas.openxmlformats.org/drawingml/2006/main" xmlns:r="http://schemas.openxmlformats.org/officeDocument/2006/relationships" xmlns:p="http://schemas.openxmlformats.org/presentationml/2006/main">
-  <p:cSld>
-    <p:spTree>
-      <p:nvGrpSpPr>
-        <p:cNvPr id="1" name=""/>
-        <p:cNvGrpSpPr/>
-        <p:nvPr/>
-      </p:nvGrpSpPr>
-      <p:grpSpPr>
-        <a:xfrm>
-          <a:off x="0" y="0"/>
-          <a:ext cx="0" cy="0"/>
-          <a:chOff x="0" y="0"/>
-          <a:chExt cx="0" cy="0"/>
-        </a:xfrm>
-      </p:grpSpPr>
-      <p:sp>
-        <p:nvSpPr>
-          <p:cNvPr id="3" name="コンテンツ プレースホルダー 2"/>
-          <p:cNvSpPr>
-            <a:spLocks noGrp="1"/>
-          </p:cNvSpPr>
-          <p:nvPr>
-            <p:ph idx="1"/>
-          </p:nvPr>
-        </p:nvSpPr>
-        <p:spPr>
-          <a:xfrm>
-            <a:off x="1259632" y="697104"/>
-            <a:ext cx="6768752" cy="4092493"/>
-          </a:xfrm>
-        </p:spPr>
-        <p:txBody>
-          <a:bodyPr>
-            <a:noAutofit/>
-          </a:bodyPr>
-          <a:lstStyle/>
-          <a:p>
-            <a:r>
-              <a:rPr lang="en-US" altLang="ja-JP" sz="4000" dirty="0"/>
-              <a:t>To check if this is the case, we make a parametric plot of the x, y positions of the particle.</a:t>
-            </a:r>
-          </a:p>
-        </p:txBody>
-      </p:sp>
-      <p:sp>
-        <p:nvSpPr>
-          <p:cNvPr id="2" name="スライド番号プレースホルダー 1"/>
-          <p:cNvSpPr>
-            <a:spLocks noGrp="1"/>
-          </p:cNvSpPr>
-          <p:nvPr>
-            <p:ph type="sldNum" sz="quarter" idx="12"/>
-          </p:nvPr>
-        </p:nvSpPr>
-        <p:spPr/>
-        <p:txBody>
-          <a:bodyPr/>
-          <a:lstStyle/>
-          <a:p>
-            <a:fld id="{903B30B5-CBF4-4B2F-B75D-B112E832388C}" type="slidenum">
-              <a:rPr lang="ja-JP" altLang="en-US" smtClean="0"/>
-              <a:pPr/>
-              <a:t>34</a:t>
-            </a:fld>
-            <a:endParaRPr lang="ja-JP" altLang="en-US"/>
-          </a:p>
-        </p:txBody>
-      </p:sp>
-      <p:sp>
-        <p:nvSpPr>
-          <p:cNvPr id="4" name="テキスト ボックス 3"/>
-          <p:cNvSpPr txBox="1"/>
-          <p:nvPr/>
-        </p:nvSpPr>
-        <p:spPr>
-          <a:xfrm>
-            <a:off x="7452320" y="173884"/>
-            <a:ext cx="1584176" cy="523220"/>
-          </a:xfrm>
-          <a:prstGeom prst="rect">
-            <a:avLst/>
-          </a:prstGeom>
-          <a:noFill/>
-          <a:ln>
-            <a:solidFill>
-              <a:schemeClr val="accent1">
-                <a:lumMod val="20000"/>
-                <a:lumOff val="80000"/>
-              </a:schemeClr>
-            </a:solidFill>
-          </a:ln>
-        </p:spPr>
-        <p:txBody>
-          <a:bodyPr wrap="square" rtlCol="0">
-            <a:spAutoFit/>
-          </a:bodyPr>
-          <a:lstStyle/>
-          <a:p>
-            <a:pPr algn="r"/>
-            <a:r>
-              <a:rPr kumimoji="1" lang="en-US" altLang="ja-JP" sz="2800" dirty="0" smtClean="0"/>
-              <a:t>Note 9</a:t>
-            </a:r>
-            <a:endParaRPr kumimoji="1" lang="ja-JP" altLang="en-US" sz="2800" dirty="0"/>
-          </a:p>
-        </p:txBody>
-      </p:sp>
-    </p:spTree>
-    <p:extLst>
-      <p:ext uri="{BB962C8B-B14F-4D97-AF65-F5344CB8AC3E}">
-        <p14:creationId xmlns:p14="http://schemas.microsoft.com/office/powerpoint/2010/main" val="2594147259"/>
-      </p:ext>
-    </p:extLst>
-  </p:cSld>
-  <p:clrMapOvr>
-    <a:masterClrMapping/>
-  </p:clrMapOvr>
-  <p:timing>
-    <p:tnLst>
-      <p:par>
-        <p:cTn id="1" dur="indefinite" restart="never" nodeType="tmRoot"/>
-      </p:par>
-    </p:tnLst>
-  </p:timing>
-</p:sld>
-</file>
-
-<file path=ppt/slides/slide35.xml><?xml version="1.0" encoding="utf-8"?>
-<p:sld xmlns:a="http://schemas.openxmlformats.org/drawingml/2006/main" xmlns:r="http://schemas.openxmlformats.org/officeDocument/2006/relationships" xmlns:p="http://schemas.openxmlformats.org/presentationml/2006/main">
-  <p:cSld>
-    <p:spTree>
-      <p:nvGrpSpPr>
-        <p:cNvPr id="1" name=""/>
-        <p:cNvGrpSpPr/>
-        <p:nvPr/>
-      </p:nvGrpSpPr>
-      <p:grpSpPr>
-        <a:xfrm>
-          <a:off x="0" y="0"/>
-          <a:ext cx="0" cy="0"/>
-          <a:chOff x="0" y="0"/>
-          <a:chExt cx="0" cy="0"/>
-        </a:xfrm>
-      </p:grpSpPr>
-      <p:sp>
-        <p:nvSpPr>
-          <p:cNvPr id="3" name="コンテンツ プレースホルダー 2"/>
-          <p:cNvSpPr>
-            <a:spLocks noGrp="1"/>
-          </p:cNvSpPr>
-          <p:nvPr>
-            <p:ph idx="1"/>
-          </p:nvPr>
-        </p:nvSpPr>
-        <p:spPr>
-          <a:xfrm>
-            <a:off x="1259632" y="697104"/>
-            <a:ext cx="6768752" cy="4092493"/>
-          </a:xfrm>
-        </p:spPr>
-        <p:txBody>
-          <a:bodyPr>
-            <a:noAutofit/>
-          </a:bodyPr>
-          <a:lstStyle/>
-          <a:p>
-            <a:r>
-              <a:rPr lang="en-US" altLang="ja-JP" sz="4000" dirty="0"/>
-              <a:t>Indeed, our orbit appears to be a closed one, even though a more careful examination will show a slightly spiraling trajectory.</a:t>
-            </a:r>
-          </a:p>
-        </p:txBody>
-      </p:sp>
-      <p:sp>
-        <p:nvSpPr>
-          <p:cNvPr id="2" name="スライド番号プレースホルダー 1"/>
-          <p:cNvSpPr>
-            <a:spLocks noGrp="1"/>
-          </p:cNvSpPr>
-          <p:nvPr>
-            <p:ph type="sldNum" sz="quarter" idx="12"/>
-          </p:nvPr>
-        </p:nvSpPr>
-        <p:spPr/>
-        <p:txBody>
-          <a:bodyPr/>
-          <a:lstStyle/>
-          <a:p>
-            <a:fld id="{903B30B5-CBF4-4B2F-B75D-B112E832388C}" type="slidenum">
-              <a:rPr lang="ja-JP" altLang="en-US" smtClean="0"/>
-              <a:pPr/>
-              <a:t>35</a:t>
             </a:fld>
             <a:endParaRPr lang="ja-JP" altLang="en-US"/>
           </a:p>
